--- a/presentations/group_meetings/2022/January/First_Group_Meeting.pptx
+++ b/presentations/group_meetings/2022/January/First_Group_Meeting.pptx
@@ -6572,6 +6572,34 @@
           </a:bodyPr>
           <a:lstStyle/>
           <a:p>
+            <a:endParaRPr lang="en-US" dirty="0">
+              <a:solidFill>
+                <a:srgbClr val="404040"/>
+              </a:solidFill>
+            </a:endParaRPr>
+          </a:p>
+          <a:p>
+            <a:endParaRPr lang="en-US" dirty="0">
+              <a:solidFill>
+                <a:srgbClr val="404040"/>
+              </a:solidFill>
+            </a:endParaRPr>
+          </a:p>
+          <a:p>
+            <a:endParaRPr lang="en-US" dirty="0">
+              <a:solidFill>
+                <a:srgbClr val="404040"/>
+              </a:solidFill>
+            </a:endParaRPr>
+          </a:p>
+          <a:p>
+            <a:endParaRPr lang="en-US" dirty="0">
+              <a:solidFill>
+                <a:srgbClr val="404040"/>
+              </a:solidFill>
+            </a:endParaRPr>
+          </a:p>
+          <a:p>
             <a:r>
               <a:rPr lang="en-US" dirty="0">
                 <a:solidFill>
@@ -6828,7 +6856,7 @@
                                         <p:tgtEl>
                                           <p:spTgt spid="7">
                                             <p:txEl>
-                                              <p:pRg st="0" end="0"/>
+                                              <p:pRg st="4" end="4"/>
                                             </p:txEl>
                                           </p:spTgt>
                                         </p:tgtEl>
@@ -6877,7 +6905,7 @@
                                         <p:tgtEl>
                                           <p:spTgt spid="7">
                                             <p:txEl>
-                                              <p:pRg st="1" end="1"/>
+                                              <p:pRg st="5" end="5"/>
                                             </p:txEl>
                                           </p:spTgt>
                                         </p:tgtEl>
@@ -7018,16 +7046,6 @@
             <a:pPr marL="0" indent="0" algn="ctr">
               <a:buNone/>
             </a:pPr>
-            <a:endParaRPr lang="en-US" sz="1000" dirty="0">
-              <a:solidFill>
-                <a:schemeClr val="tx1"/>
-              </a:solidFill>
-            </a:endParaRPr>
-          </a:p>
-          <a:p>
-            <a:pPr marL="0" indent="0" algn="ctr">
-              <a:buNone/>
-            </a:pPr>
             <a:r>
               <a:rPr lang="en-US" sz="1000" dirty="0">
                 <a:solidFill>
@@ -7043,18 +7061,16 @@
                 </a:solidFill>
                 <a:hlinkClick r:id="rId3"/>
               </a:rPr>
-              <a:t>https://github.com/AndrewTKent/Elightenment_Technologies</a:t>
-            </a:r>
-          </a:p>
-          <a:p>
-            <a:pPr marL="0" indent="0" algn="ctr">
-              <a:buNone/>
-            </a:pPr>
-            <a:endParaRPr lang="en-US" sz="1000" dirty="0">
-              <a:solidFill>
-                <a:schemeClr val="tx1"/>
-              </a:solidFill>
-            </a:endParaRPr>
+              <a:t>https://github.com/AndrewTKent/Enlightenment_Technologies</a:t>
+            </a:r>
+            <a:r>
+              <a:rPr lang="en-US" sz="1000" dirty="0">
+                <a:solidFill>
+                  <a:schemeClr val="tx1"/>
+                </a:solidFill>
+              </a:rPr>
+              <a:t> </a:t>
+            </a:r>
           </a:p>
         </p:txBody>
       </p:sp>
@@ -7156,7 +7172,7 @@
                                         <p:tgtEl>
                                           <p:spTgt spid="7">
                                             <p:txEl>
-                                              <p:pRg st="1" end="1"/>
+                                              <p:pRg st="0" end="0"/>
                                             </p:txEl>
                                           </p:spTgt>
                                         </p:tgtEl>

--- a/presentations/group_meetings/2022/January/First_Group_Meeting.pptx
+++ b/presentations/group_meetings/2022/January/First_Group_Meeting.pptx
@@ -4894,7 +4894,7 @@
         </p:spPr>
         <p:txBody>
           <a:bodyPr anchor="ctr">
-            <a:normAutofit/>
+            <a:normAutofit fontScale="92500" lnSpcReduction="10000"/>
           </a:bodyPr>
           <a:lstStyle/>
           <a:p>
@@ -4904,7 +4904,7 @@
               </a:lnSpc>
             </a:pPr>
             <a:r>
-              <a:rPr lang="en-US" sz="1700">
+              <a:rPr lang="en-US" sz="1700" dirty="0">
                 <a:solidFill>
                   <a:srgbClr val="404040"/>
                 </a:solidFill>
@@ -4921,7 +4921,7 @@
               </a:lnSpc>
             </a:pPr>
             <a:r>
-              <a:rPr lang="en-US" sz="1700">
+              <a:rPr lang="en-US" sz="1700" dirty="0">
                 <a:solidFill>
                   <a:srgbClr val="404040"/>
                 </a:solidFill>
@@ -4938,7 +4938,7 @@
               </a:lnSpc>
             </a:pPr>
             <a:r>
-              <a:rPr lang="en-US" sz="1700">
+              <a:rPr lang="en-US" sz="1700" dirty="0">
                 <a:solidFill>
                   <a:srgbClr val="404040"/>
                 </a:solidFill>
@@ -4948,7 +4948,7 @@
               <a:t>Make data </a:t>
             </a:r>
             <a:r>
-              <a:rPr lang="en-US" sz="1700" i="1">
+              <a:rPr lang="en-US" sz="1700" i="1" dirty="0">
                 <a:solidFill>
                   <a:srgbClr val="404040"/>
                 </a:solidFill>
@@ -4958,7 +4958,7 @@
               <a:t>Stationary </a:t>
             </a:r>
             <a:r>
-              <a:rPr lang="en-US" sz="1700">
+              <a:rPr lang="en-US" sz="1700" dirty="0">
                 <a:solidFill>
                   <a:srgbClr val="404040"/>
                 </a:solidFill>
@@ -4975,7 +4975,7 @@
               </a:lnSpc>
             </a:pPr>
             <a:r>
-              <a:rPr lang="en-US" sz="1700">
+              <a:rPr lang="en-US" sz="1700" dirty="0">
                 <a:solidFill>
                   <a:srgbClr val="404040"/>
                 </a:solidFill>
@@ -4992,7 +4992,7 @@
               </a:lnSpc>
             </a:pPr>
             <a:r>
-              <a:rPr lang="en-US" sz="1700">
+              <a:rPr lang="en-US" sz="1700" dirty="0">
                 <a:solidFill>
                   <a:srgbClr val="404040"/>
                 </a:solidFill>
@@ -5009,7 +5009,7 @@
               </a:lnSpc>
             </a:pPr>
             <a:r>
-              <a:rPr lang="en-US" sz="1700">
+              <a:rPr lang="en-US" sz="1700" dirty="0">
                 <a:solidFill>
                   <a:srgbClr val="404040"/>
                 </a:solidFill>
@@ -5017,6 +5017,23 @@
                 <a:cs typeface="Times New Roman" panose="02020603050405020304" pitchFamily="18" charset="0"/>
               </a:rPr>
               <a:t>New models, like random trees</a:t>
+            </a:r>
+          </a:p>
+          <a:p>
+            <a:pPr>
+              <a:lnSpc>
+                <a:spcPct val="90000"/>
+              </a:lnSpc>
+            </a:pPr>
+            <a:r>
+              <a:rPr lang="en-US" sz="1700" dirty="0">
+                <a:solidFill>
+                  <a:srgbClr val="404040"/>
+                </a:solidFill>
+                <a:latin typeface="Times New Roman" panose="02020603050405020304" pitchFamily="18" charset="0"/>
+                <a:cs typeface="Times New Roman" panose="02020603050405020304" pitchFamily="18" charset="0"/>
+              </a:rPr>
+              <a:t>Don’t predict the market, predict whether our own strategy will be successful or not</a:t>
             </a:r>
           </a:p>
         </p:txBody>
@@ -5485,6 +5502,55 @@
                                           <p:spTgt spid="6147">
                                             <p:txEl>
                                               <p:pRg st="5" end="5"/>
+                                            </p:txEl>
+                                          </p:spTgt>
+                                        </p:tgtEl>
+                                        <p:attrNameLst>
+                                          <p:attrName>style.visibility</p:attrName>
+                                        </p:attrNameLst>
+                                      </p:cBhvr>
+                                      <p:to>
+                                        <p:strVal val="visible"/>
+                                      </p:to>
+                                    </p:set>
+                                  </p:childTnLst>
+                                </p:cTn>
+                              </p:par>
+                            </p:childTnLst>
+                          </p:cTn>
+                        </p:par>
+                      </p:childTnLst>
+                    </p:cTn>
+                  </p:par>
+                  <p:par>
+                    <p:cTn id="25" fill="hold">
+                      <p:stCondLst>
+                        <p:cond delay="indefinite"/>
+                      </p:stCondLst>
+                      <p:childTnLst>
+                        <p:par>
+                          <p:cTn id="26" fill="hold">
+                            <p:stCondLst>
+                              <p:cond delay="0"/>
+                            </p:stCondLst>
+                            <p:childTnLst>
+                              <p:par>
+                                <p:cTn id="27" presetID="1" presetClass="entr" presetSubtype="0" fill="hold" grpId="0" nodeType="clickEffect">
+                                  <p:stCondLst>
+                                    <p:cond delay="0"/>
+                                  </p:stCondLst>
+                                  <p:childTnLst>
+                                    <p:set>
+                                      <p:cBhvr>
+                                        <p:cTn id="28" dur="1" fill="hold">
+                                          <p:stCondLst>
+                                            <p:cond delay="0"/>
+                                          </p:stCondLst>
+                                        </p:cTn>
+                                        <p:tgtEl>
+                                          <p:spTgt spid="6147">
+                                            <p:txEl>
+                                              <p:pRg st="6" end="6"/>
                                             </p:txEl>
                                           </p:spTgt>
                                         </p:tgtEl>
